--- a/CS622_project_presentation.pptx
+++ b/CS622_project_presentation.pptx
@@ -23,7 +23,6 @@
     <p:sldId id="271" r:id="rId17"/>
     <p:sldId id="272" r:id="rId18"/>
     <p:sldId id="270" r:id="rId19"/>
-    <p:sldId id="266" r:id="rId20"/>
   </p:sldIdLst>
   <p:sldSz cx="12192000" cy="6858000"/>
   <p:notesSz cx="6858000" cy="9144000"/>
@@ -8458,7 +8457,7 @@
         <p:spPr/>
         <p:txBody>
           <a:bodyPr>
-            <a:normAutofit fontScale="85000" lnSpcReduction="10000"/>
+            <a:normAutofit fontScale="92500" lnSpcReduction="10000"/>
           </a:bodyPr>
           <a:lstStyle/>
           <a:p>
@@ -8578,8 +8577,37 @@
               <a:cs typeface="Arial" panose="020B0604020202020204" pitchFamily="34" charset="0"/>
             </a:endParaRPr>
           </a:p>
-          <a:p>
-            <a:pPr marL="342900" marR="0" lvl="0" indent="-342900" algn="just">
+        </p:txBody>
+      </p:sp>
+      <p:sp>
+        <p:nvSpPr>
+          <p:cNvPr id="5" name="TextBox 4">
+            <a:extLst>
+              <a:ext uri="{FF2B5EF4-FFF2-40B4-BE49-F238E27FC236}">
+                <a16:creationId xmlns:a16="http://schemas.microsoft.com/office/drawing/2014/main" id="{39987425-11DE-4B46-ADE9-BAA1A27E7253}"/>
+              </a:ext>
+            </a:extLst>
+          </p:cNvPr>
+          <p:cNvSpPr txBox="1"/>
+          <p:nvPr/>
+        </p:nvSpPr>
+        <p:spPr>
+          <a:xfrm>
+            <a:off x="1154955" y="5878642"/>
+            <a:ext cx="5246558" cy="305084"/>
+          </a:xfrm>
+          <a:prstGeom prst="rect">
+            <a:avLst/>
+          </a:prstGeom>
+          <a:noFill/>
+        </p:spPr>
+        <p:txBody>
+          <a:bodyPr wrap="square" rtlCol="0">
+            <a:spAutoFit/>
+          </a:bodyPr>
+          <a:lstStyle/>
+          <a:p>
+            <a:pPr marL="285750" marR="0" lvl="0" indent="-285750">
               <a:lnSpc>
                 <a:spcPct val="107000"/>
               </a:lnSpc>
@@ -8589,10 +8617,67 @@
               <a:spcAft>
                 <a:spcPts val="800"/>
               </a:spcAft>
-              <a:buFont typeface="Calibri" panose="020F0502020204030204" pitchFamily="34" charset="0"/>
-              <a:buChar char="-"/>
+              <a:buFont typeface="Wingdings" panose="05000000000000000000" pitchFamily="2" charset="2"/>
+              <a:buChar char="v"/>
             </a:pPr>
-            <a:endParaRPr lang="en-US" dirty="0"/>
+            <a:r>
+              <a:rPr lang="en-US" sz="1400" spc="300" dirty="0">
+                <a:solidFill>
+                  <a:schemeClr val="accent1">
+                    <a:lumMod val="60000"/>
+                    <a:lumOff val="40000"/>
+                  </a:schemeClr>
+                </a:solidFill>
+                <a:effectLst>
+                  <a:outerShdw blurRad="38100" dist="38100" dir="2700000" algn="tl">
+                    <a:srgbClr val="000000">
+                      <a:alpha val="43137"/>
+                    </a:srgbClr>
+                  </a:outerShdw>
+                </a:effectLst>
+              </a:rPr>
+              <a:t>Code and report available on </a:t>
+            </a:r>
+            <a:r>
+              <a:rPr lang="en-US" sz="1400" spc="300" dirty="0">
+                <a:solidFill>
+                  <a:schemeClr val="accent1">
+                    <a:lumMod val="60000"/>
+                    <a:lumOff val="40000"/>
+                  </a:schemeClr>
+                </a:solidFill>
+                <a:effectLst>
+                  <a:outerShdw blurRad="38100" dist="38100" dir="2700000" algn="tl">
+                    <a:srgbClr val="000000">
+                      <a:alpha val="43137"/>
+                    </a:srgbClr>
+                  </a:outerShdw>
+                </a:effectLst>
+                <a:hlinkClick r:id="rId2">
+                  <a:extLst>
+                    <a:ext uri="{A12FA001-AC4F-418D-AE19-62706E023703}">
+                      <ahyp:hlinkClr xmlns:ahyp="http://schemas.microsoft.com/office/drawing/2018/hyperlinkcolor" val="tx"/>
+                    </a:ext>
+                  </a:extLst>
+                </a:hlinkClick>
+              </a:rPr>
+              <a:t>GitHub</a:t>
+            </a:r>
+            <a:endParaRPr lang="en-US" sz="1400" spc="300" dirty="0">
+              <a:solidFill>
+                <a:schemeClr val="accent1">
+                  <a:lumMod val="60000"/>
+                  <a:lumOff val="40000"/>
+                </a:schemeClr>
+              </a:solidFill>
+              <a:effectLst>
+                <a:outerShdw blurRad="38100" dist="38100" dir="2700000" algn="tl">
+                  <a:srgbClr val="000000">
+                    <a:alpha val="43137"/>
+                  </a:srgbClr>
+                </a:outerShdw>
+              </a:effectLst>
+            </a:endParaRPr>
           </a:p>
         </p:txBody>
       </p:sp>
@@ -8909,7 +8994,7 @@
           <p:nvPr>
             <p:extLst>
               <p:ext uri="{D42A27DB-BD31-4B8C-83A1-F6EECF244321}">
-                <p14:modId xmlns:p14="http://schemas.microsoft.com/office/powerpoint/2010/main" val="3851530292"/>
+                <p14:modId xmlns:p14="http://schemas.microsoft.com/office/powerpoint/2010/main" val="285967615"/>
               </p:ext>
             </p:extLst>
           </p:nvPr>
@@ -8922,7 +9007,7 @@
           <a:graphicData uri="http://schemas.openxmlformats.org/drawingml/2006/table">
             <a:tbl>
               <a:tblPr firstRow="1" firstCol="1" bandRow="1">
-                <a:tableStyleId>{775DCB02-9BB8-47FD-8907-85C794F793BA}</a:tableStyleId>
+                <a:tableStyleId>{35758FB7-9AC5-4552-8A53-C91805E547FA}</a:tableStyleId>
               </a:tblPr>
               <a:tblGrid>
                 <a:gridCol w="1356217">
@@ -11662,86 +11747,6 @@
 </p:sld>
 </file>
 
-<file path=ppt/slides/slide19.xml><?xml version="1.0" encoding="utf-8"?>
-<p:sld xmlns:a="http://schemas.openxmlformats.org/drawingml/2006/main" xmlns:r="http://schemas.openxmlformats.org/officeDocument/2006/relationships" xmlns:p="http://schemas.openxmlformats.org/presentationml/2006/main">
-  <p:cSld>
-    <p:spTree>
-      <p:nvGrpSpPr>
-        <p:cNvPr id="1" name=""/>
-        <p:cNvGrpSpPr/>
-        <p:nvPr/>
-      </p:nvGrpSpPr>
-      <p:grpSpPr>
-        <a:xfrm>
-          <a:off x="0" y="0"/>
-          <a:ext cx="0" cy="0"/>
-          <a:chOff x="0" y="0"/>
-          <a:chExt cx="0" cy="0"/>
-        </a:xfrm>
-      </p:grpSpPr>
-      <p:sp>
-        <p:nvSpPr>
-          <p:cNvPr id="2" name="Title 1">
-            <a:extLst>
-              <a:ext uri="{FF2B5EF4-FFF2-40B4-BE49-F238E27FC236}">
-                <a16:creationId xmlns:a16="http://schemas.microsoft.com/office/drawing/2014/main" id="{4313A9A3-836B-4F5F-ADA9-0073BC3CB127}"/>
-              </a:ext>
-            </a:extLst>
-          </p:cNvPr>
-          <p:cNvSpPr>
-            <a:spLocks noGrp="1"/>
-          </p:cNvSpPr>
-          <p:nvPr>
-            <p:ph type="title"/>
-          </p:nvPr>
-        </p:nvSpPr>
-        <p:spPr/>
-        <p:txBody>
-          <a:bodyPr/>
-          <a:lstStyle/>
-          <a:p>
-            <a:endParaRPr lang="en-US"/>
-          </a:p>
-        </p:txBody>
-      </p:sp>
-      <p:sp>
-        <p:nvSpPr>
-          <p:cNvPr id="3" name="Content Placeholder 2">
-            <a:extLst>
-              <a:ext uri="{FF2B5EF4-FFF2-40B4-BE49-F238E27FC236}">
-                <a16:creationId xmlns:a16="http://schemas.microsoft.com/office/drawing/2014/main" id="{FE4BA6AC-3772-4EFA-8DC6-4D549D94BC8F}"/>
-              </a:ext>
-            </a:extLst>
-          </p:cNvPr>
-          <p:cNvSpPr>
-            <a:spLocks noGrp="1"/>
-          </p:cNvSpPr>
-          <p:nvPr>
-            <p:ph idx="1"/>
-          </p:nvPr>
-        </p:nvSpPr>
-        <p:spPr/>
-        <p:txBody>
-          <a:bodyPr/>
-          <a:lstStyle/>
-          <a:p>
-            <a:endParaRPr lang="en-US"/>
-          </a:p>
-        </p:txBody>
-      </p:sp>
-    </p:spTree>
-    <p:extLst>
-      <p:ext uri="{BB962C8B-B14F-4D97-AF65-F5344CB8AC3E}">
-        <p14:creationId xmlns:p14="http://schemas.microsoft.com/office/powerpoint/2010/main" val="70746656"/>
-      </p:ext>
-    </p:extLst>
-  </p:cSld>
-  <p:clrMapOvr>
-    <a:masterClrMapping/>
-  </p:clrMapOvr>
-</p:sld>
-</file>
-
 <file path=ppt/slides/slide2.xml><?xml version="1.0" encoding="utf-8"?>
 <p:sld xmlns:a="http://schemas.openxmlformats.org/drawingml/2006/main" xmlns:r="http://schemas.openxmlformats.org/officeDocument/2006/relationships" xmlns:p="http://schemas.openxmlformats.org/presentationml/2006/main">
   <p:cSld>

--- a/CS622_project_presentation.pptx
+++ b/CS622_project_presentation.pptx
@@ -4,6 +4,9 @@
   <p:sldMasterIdLst>
     <p:sldMasterId id="2147483660" r:id="rId1"/>
   </p:sldMasterIdLst>
+  <p:notesMasterIdLst>
+    <p:notesMasterId r:id="rId20"/>
+  </p:notesMasterIdLst>
   <p:sldIdLst>
     <p:sldId id="256" r:id="rId2"/>
     <p:sldId id="257" r:id="rId3"/>
@@ -2431,6 +2434,355 @@
 </cs:chartStyle>
 </file>
 
+<file path=ppt/notesMasters/notesMaster1.xml><?xml version="1.0" encoding="utf-8"?>
+<p:notesMaster xmlns:a="http://schemas.openxmlformats.org/drawingml/2006/main" xmlns:r="http://schemas.openxmlformats.org/officeDocument/2006/relationships" xmlns:p="http://schemas.openxmlformats.org/presentationml/2006/main">
+  <p:cSld>
+    <p:bg>
+      <p:bgRef idx="1001">
+        <a:schemeClr val="bg1"/>
+      </p:bgRef>
+    </p:bg>
+    <p:spTree>
+      <p:nvGrpSpPr>
+        <p:cNvPr id="1" name=""/>
+        <p:cNvGrpSpPr/>
+        <p:nvPr/>
+      </p:nvGrpSpPr>
+      <p:grpSpPr>
+        <a:xfrm>
+          <a:off x="0" y="0"/>
+          <a:ext cx="0" cy="0"/>
+          <a:chOff x="0" y="0"/>
+          <a:chExt cx="0" cy="0"/>
+        </a:xfrm>
+      </p:grpSpPr>
+      <p:sp>
+        <p:nvSpPr>
+          <p:cNvPr id="2" name="Header Placeholder 1"/>
+          <p:cNvSpPr>
+            <a:spLocks noGrp="1"/>
+          </p:cNvSpPr>
+          <p:nvPr>
+            <p:ph type="hdr" sz="quarter"/>
+          </p:nvPr>
+        </p:nvSpPr>
+        <p:spPr>
+          <a:xfrm>
+            <a:off x="0" y="0"/>
+            <a:ext cx="2971800" cy="458788"/>
+          </a:xfrm>
+          <a:prstGeom prst="rect">
+            <a:avLst/>
+          </a:prstGeom>
+        </p:spPr>
+        <p:txBody>
+          <a:bodyPr vert="horz" lIns="91440" tIns="45720" rIns="91440" bIns="45720" rtlCol="0"/>
+          <a:lstStyle>
+            <a:lvl1pPr algn="l">
+              <a:defRPr sz="1200"/>
+            </a:lvl1pPr>
+          </a:lstStyle>
+          <a:p>
+            <a:endParaRPr lang="en-US"/>
+          </a:p>
+        </p:txBody>
+      </p:sp>
+      <p:sp>
+        <p:nvSpPr>
+          <p:cNvPr id="3" name="Date Placeholder 2"/>
+          <p:cNvSpPr>
+            <a:spLocks noGrp="1"/>
+          </p:cNvSpPr>
+          <p:nvPr>
+            <p:ph type="dt" idx="1"/>
+          </p:nvPr>
+        </p:nvSpPr>
+        <p:spPr>
+          <a:xfrm>
+            <a:off x="3884613" y="0"/>
+            <a:ext cx="2971800" cy="458788"/>
+          </a:xfrm>
+          <a:prstGeom prst="rect">
+            <a:avLst/>
+          </a:prstGeom>
+        </p:spPr>
+        <p:txBody>
+          <a:bodyPr vert="horz" lIns="91440" tIns="45720" rIns="91440" bIns="45720" rtlCol="0"/>
+          <a:lstStyle>
+            <a:lvl1pPr algn="r">
+              <a:defRPr sz="1200"/>
+            </a:lvl1pPr>
+          </a:lstStyle>
+          <a:p>
+            <a:fld id="{0DA78823-EC5B-4C2B-8E90-DE586D421074}" type="datetimeFigureOut">
+              <a:rPr lang="en-US" smtClean="0"/>
+              <a:t>5/3/2022</a:t>
+            </a:fld>
+            <a:endParaRPr lang="en-US"/>
+          </a:p>
+        </p:txBody>
+      </p:sp>
+      <p:sp>
+        <p:nvSpPr>
+          <p:cNvPr id="4" name="Slide Image Placeholder 3"/>
+          <p:cNvSpPr>
+            <a:spLocks noGrp="1" noRot="1" noChangeAspect="1"/>
+          </p:cNvSpPr>
+          <p:nvPr>
+            <p:ph type="sldImg" idx="2"/>
+          </p:nvPr>
+        </p:nvSpPr>
+        <p:spPr>
+          <a:xfrm>
+            <a:off x="685800" y="1143000"/>
+            <a:ext cx="5486400" cy="3086100"/>
+          </a:xfrm>
+          <a:prstGeom prst="rect">
+            <a:avLst/>
+          </a:prstGeom>
+          <a:noFill/>
+          <a:ln w="12700">
+            <a:solidFill>
+              <a:prstClr val="black"/>
+            </a:solidFill>
+          </a:ln>
+        </p:spPr>
+        <p:txBody>
+          <a:bodyPr vert="horz" lIns="91440" tIns="45720" rIns="91440" bIns="45720" rtlCol="0" anchor="ctr"/>
+          <a:lstStyle/>
+          <a:p>
+            <a:endParaRPr lang="en-US"/>
+          </a:p>
+        </p:txBody>
+      </p:sp>
+      <p:sp>
+        <p:nvSpPr>
+          <p:cNvPr id="5" name="Notes Placeholder 4"/>
+          <p:cNvSpPr>
+            <a:spLocks noGrp="1"/>
+          </p:cNvSpPr>
+          <p:nvPr>
+            <p:ph type="body" sz="quarter" idx="3"/>
+          </p:nvPr>
+        </p:nvSpPr>
+        <p:spPr>
+          <a:xfrm>
+            <a:off x="685800" y="4400550"/>
+            <a:ext cx="5486400" cy="3600450"/>
+          </a:xfrm>
+          <a:prstGeom prst="rect">
+            <a:avLst/>
+          </a:prstGeom>
+        </p:spPr>
+        <p:txBody>
+          <a:bodyPr vert="horz" lIns="91440" tIns="45720" rIns="91440" bIns="45720" rtlCol="0"/>
+          <a:lstStyle/>
+          <a:p>
+            <a:pPr lvl="0"/>
+            <a:r>
+              <a:rPr lang="en-US"/>
+              <a:t>Click to edit Master text styles</a:t>
+            </a:r>
+          </a:p>
+          <a:p>
+            <a:pPr lvl="1"/>
+            <a:r>
+              <a:rPr lang="en-US"/>
+              <a:t>Second level</a:t>
+            </a:r>
+          </a:p>
+          <a:p>
+            <a:pPr lvl="2"/>
+            <a:r>
+              <a:rPr lang="en-US"/>
+              <a:t>Third level</a:t>
+            </a:r>
+          </a:p>
+          <a:p>
+            <a:pPr lvl="3"/>
+            <a:r>
+              <a:rPr lang="en-US"/>
+              <a:t>Fourth level</a:t>
+            </a:r>
+          </a:p>
+          <a:p>
+            <a:pPr lvl="4"/>
+            <a:r>
+              <a:rPr lang="en-US"/>
+              <a:t>Fifth level</a:t>
+            </a:r>
+          </a:p>
+        </p:txBody>
+      </p:sp>
+      <p:sp>
+        <p:nvSpPr>
+          <p:cNvPr id="6" name="Footer Placeholder 5"/>
+          <p:cNvSpPr>
+            <a:spLocks noGrp="1"/>
+          </p:cNvSpPr>
+          <p:nvPr>
+            <p:ph type="ftr" sz="quarter" idx="4"/>
+          </p:nvPr>
+        </p:nvSpPr>
+        <p:spPr>
+          <a:xfrm>
+            <a:off x="0" y="8685213"/>
+            <a:ext cx="2971800" cy="458787"/>
+          </a:xfrm>
+          <a:prstGeom prst="rect">
+            <a:avLst/>
+          </a:prstGeom>
+        </p:spPr>
+        <p:txBody>
+          <a:bodyPr vert="horz" lIns="91440" tIns="45720" rIns="91440" bIns="45720" rtlCol="0" anchor="b"/>
+          <a:lstStyle>
+            <a:lvl1pPr algn="l">
+              <a:defRPr sz="1200"/>
+            </a:lvl1pPr>
+          </a:lstStyle>
+          <a:p>
+            <a:endParaRPr lang="en-US"/>
+          </a:p>
+        </p:txBody>
+      </p:sp>
+      <p:sp>
+        <p:nvSpPr>
+          <p:cNvPr id="7" name="Slide Number Placeholder 6"/>
+          <p:cNvSpPr>
+            <a:spLocks noGrp="1"/>
+          </p:cNvSpPr>
+          <p:nvPr>
+            <p:ph type="sldNum" sz="quarter" idx="5"/>
+          </p:nvPr>
+        </p:nvSpPr>
+        <p:spPr>
+          <a:xfrm>
+            <a:off x="3884613" y="8685213"/>
+            <a:ext cx="2971800" cy="458787"/>
+          </a:xfrm>
+          <a:prstGeom prst="rect">
+            <a:avLst/>
+          </a:prstGeom>
+        </p:spPr>
+        <p:txBody>
+          <a:bodyPr vert="horz" lIns="91440" tIns="45720" rIns="91440" bIns="45720" rtlCol="0" anchor="b"/>
+          <a:lstStyle>
+            <a:lvl1pPr algn="r">
+              <a:defRPr sz="1200"/>
+            </a:lvl1pPr>
+          </a:lstStyle>
+          <a:p>
+            <a:fld id="{3EF99804-D260-44DC-9BC8-D346E75C78F8}" type="slidenum">
+              <a:rPr lang="en-US" smtClean="0"/>
+              <a:t>‹#›</a:t>
+            </a:fld>
+            <a:endParaRPr lang="en-US"/>
+          </a:p>
+        </p:txBody>
+      </p:sp>
+    </p:spTree>
+    <p:extLst>
+      <p:ext uri="{BB962C8B-B14F-4D97-AF65-F5344CB8AC3E}">
+        <p14:creationId xmlns:p14="http://schemas.microsoft.com/office/powerpoint/2010/main" val="2079339469"/>
+      </p:ext>
+    </p:extLst>
+  </p:cSld>
+  <p:clrMap bg1="lt1" tx1="dk1" bg2="lt2" tx2="dk2" accent1="accent1" accent2="accent2" accent3="accent3" accent4="accent4" accent5="accent5" accent6="accent6" hlink="hlink" folHlink="folHlink"/>
+  <p:notesStyle>
+    <a:lvl1pPr marL="0" algn="l" defTabSz="914400" rtl="0" eaLnBrk="1" latinLnBrk="0" hangingPunct="1">
+      <a:defRPr sz="1200" kern="1200">
+        <a:solidFill>
+          <a:schemeClr val="tx1"/>
+        </a:solidFill>
+        <a:latin typeface="+mn-lt"/>
+        <a:ea typeface="+mn-ea"/>
+        <a:cs typeface="+mn-cs"/>
+      </a:defRPr>
+    </a:lvl1pPr>
+    <a:lvl2pPr marL="457200" algn="l" defTabSz="914400" rtl="0" eaLnBrk="1" latinLnBrk="0" hangingPunct="1">
+      <a:defRPr sz="1200" kern="1200">
+        <a:solidFill>
+          <a:schemeClr val="tx1"/>
+        </a:solidFill>
+        <a:latin typeface="+mn-lt"/>
+        <a:ea typeface="+mn-ea"/>
+        <a:cs typeface="+mn-cs"/>
+      </a:defRPr>
+    </a:lvl2pPr>
+    <a:lvl3pPr marL="914400" algn="l" defTabSz="914400" rtl="0" eaLnBrk="1" latinLnBrk="0" hangingPunct="1">
+      <a:defRPr sz="1200" kern="1200">
+        <a:solidFill>
+          <a:schemeClr val="tx1"/>
+        </a:solidFill>
+        <a:latin typeface="+mn-lt"/>
+        <a:ea typeface="+mn-ea"/>
+        <a:cs typeface="+mn-cs"/>
+      </a:defRPr>
+    </a:lvl3pPr>
+    <a:lvl4pPr marL="1371600" algn="l" defTabSz="914400" rtl="0" eaLnBrk="1" latinLnBrk="0" hangingPunct="1">
+      <a:defRPr sz="1200" kern="1200">
+        <a:solidFill>
+          <a:schemeClr val="tx1"/>
+        </a:solidFill>
+        <a:latin typeface="+mn-lt"/>
+        <a:ea typeface="+mn-ea"/>
+        <a:cs typeface="+mn-cs"/>
+      </a:defRPr>
+    </a:lvl4pPr>
+    <a:lvl5pPr marL="1828800" algn="l" defTabSz="914400" rtl="0" eaLnBrk="1" latinLnBrk="0" hangingPunct="1">
+      <a:defRPr sz="1200" kern="1200">
+        <a:solidFill>
+          <a:schemeClr val="tx1"/>
+        </a:solidFill>
+        <a:latin typeface="+mn-lt"/>
+        <a:ea typeface="+mn-ea"/>
+        <a:cs typeface="+mn-cs"/>
+      </a:defRPr>
+    </a:lvl5pPr>
+    <a:lvl6pPr marL="2286000" algn="l" defTabSz="914400" rtl="0" eaLnBrk="1" latinLnBrk="0" hangingPunct="1">
+      <a:defRPr sz="1200" kern="1200">
+        <a:solidFill>
+          <a:schemeClr val="tx1"/>
+        </a:solidFill>
+        <a:latin typeface="+mn-lt"/>
+        <a:ea typeface="+mn-ea"/>
+        <a:cs typeface="+mn-cs"/>
+      </a:defRPr>
+    </a:lvl6pPr>
+    <a:lvl7pPr marL="2743200" algn="l" defTabSz="914400" rtl="0" eaLnBrk="1" latinLnBrk="0" hangingPunct="1">
+      <a:defRPr sz="1200" kern="1200">
+        <a:solidFill>
+          <a:schemeClr val="tx1"/>
+        </a:solidFill>
+        <a:latin typeface="+mn-lt"/>
+        <a:ea typeface="+mn-ea"/>
+        <a:cs typeface="+mn-cs"/>
+      </a:defRPr>
+    </a:lvl7pPr>
+    <a:lvl8pPr marL="3200400" algn="l" defTabSz="914400" rtl="0" eaLnBrk="1" latinLnBrk="0" hangingPunct="1">
+      <a:defRPr sz="1200" kern="1200">
+        <a:solidFill>
+          <a:schemeClr val="tx1"/>
+        </a:solidFill>
+        <a:latin typeface="+mn-lt"/>
+        <a:ea typeface="+mn-ea"/>
+        <a:cs typeface="+mn-cs"/>
+      </a:defRPr>
+    </a:lvl8pPr>
+    <a:lvl9pPr marL="3657600" algn="l" defTabSz="914400" rtl="0" eaLnBrk="1" latinLnBrk="0" hangingPunct="1">
+      <a:defRPr sz="1200" kern="1200">
+        <a:solidFill>
+          <a:schemeClr val="tx1"/>
+        </a:solidFill>
+        <a:latin typeface="+mn-lt"/>
+        <a:ea typeface="+mn-ea"/>
+        <a:cs typeface="+mn-cs"/>
+      </a:defRPr>
+    </a:lvl9pPr>
+  </p:notesStyle>
+</p:notesMaster>
+</file>
+
 <file path=ppt/slideLayouts/slideLayout1.xml><?xml version="1.0" encoding="utf-8"?>
 <p:sldLayout xmlns:a="http://schemas.openxmlformats.org/drawingml/2006/main" xmlns:r="http://schemas.openxmlformats.org/officeDocument/2006/relationships" xmlns:p="http://schemas.openxmlformats.org/presentationml/2006/main" type="title" preserve="1">
   <p:cSld name="Title Slide">
@@ -2615,9 +2967,9 @@
           <a:bodyPr/>
           <a:lstStyle/>
           <a:p>
-            <a:fld id="{FCF5AD5F-CE4F-4368-887F-AA4D61D10489}" type="datetimeFigureOut">
+            <a:fld id="{9C06A0E7-2AA7-422A-AD34-ED1151EBA3CE}" type="datetime1">
               <a:rPr lang="en-US" smtClean="0"/>
-              <a:t>5/2/2022</a:t>
+              <a:t>5/3/2022</a:t>
             </a:fld>
             <a:endParaRPr lang="en-US"/>
           </a:p>
@@ -2890,9 +3242,9 @@
           <a:bodyPr/>
           <a:lstStyle/>
           <a:p>
-            <a:fld id="{FCF5AD5F-CE4F-4368-887F-AA4D61D10489}" type="datetimeFigureOut">
+            <a:fld id="{684B3286-CEE6-4471-A98E-B1DA7F5D86A5}" type="datetime1">
               <a:rPr lang="en-US" smtClean="0"/>
-              <a:t>5/2/2022</a:t>
+              <a:t>5/3/2022</a:t>
             </a:fld>
             <a:endParaRPr lang="en-US"/>
           </a:p>
@@ -3084,9 +3436,9 @@
           <a:bodyPr/>
           <a:lstStyle/>
           <a:p>
-            <a:fld id="{FCF5AD5F-CE4F-4368-887F-AA4D61D10489}" type="datetimeFigureOut">
+            <a:fld id="{2D04349C-9E1B-4057-9510-F628B27CFB0D}" type="datetime1">
               <a:rPr lang="en-US" smtClean="0"/>
-              <a:t>5/2/2022</a:t>
+              <a:t>5/3/2022</a:t>
             </a:fld>
             <a:endParaRPr lang="en-US"/>
           </a:p>
@@ -3357,9 +3709,9 @@
           <a:bodyPr/>
           <a:lstStyle/>
           <a:p>
-            <a:fld id="{FCF5AD5F-CE4F-4368-887F-AA4D61D10489}" type="datetimeFigureOut">
+            <a:fld id="{FEA92E20-048E-41E4-9F54-50850FF9D780}" type="datetime1">
               <a:rPr lang="en-US" smtClean="0"/>
-              <a:t>5/2/2022</a:t>
+              <a:t>5/3/2022</a:t>
             </a:fld>
             <a:endParaRPr lang="en-US"/>
           </a:p>
@@ -3698,9 +4050,9 @@
           <a:bodyPr/>
           <a:lstStyle/>
           <a:p>
-            <a:fld id="{FCF5AD5F-CE4F-4368-887F-AA4D61D10489}" type="datetimeFigureOut">
+            <a:fld id="{77211E8B-450E-41F3-9F09-97E003FD8C0F}" type="datetime1">
               <a:rPr lang="en-US" smtClean="0"/>
-              <a:t>5/2/2022</a:t>
+              <a:t>5/3/2022</a:t>
             </a:fld>
             <a:endParaRPr lang="en-US"/>
           </a:p>
@@ -4321,9 +4673,9 @@
           <a:bodyPr/>
           <a:lstStyle/>
           <a:p>
-            <a:fld id="{FCF5AD5F-CE4F-4368-887F-AA4D61D10489}" type="datetimeFigureOut">
+            <a:fld id="{1F0A095F-CFCA-40F3-B03E-364EF33EA76E}" type="datetime1">
               <a:rPr lang="en-US" smtClean="0"/>
-              <a:t>5/2/2022</a:t>
+              <a:t>5/3/2022</a:t>
             </a:fld>
             <a:endParaRPr lang="en-US"/>
           </a:p>
@@ -5181,9 +5533,9 @@
           <a:bodyPr/>
           <a:lstStyle/>
           <a:p>
-            <a:fld id="{FCF5AD5F-CE4F-4368-887F-AA4D61D10489}" type="datetimeFigureOut">
+            <a:fld id="{4FB25049-12A3-4BF2-B13C-3AB8388E53D6}" type="datetime1">
               <a:rPr lang="en-US" smtClean="0"/>
-              <a:t>5/2/2022</a:t>
+              <a:t>5/3/2022</a:t>
             </a:fld>
             <a:endParaRPr lang="en-US"/>
           </a:p>
@@ -5351,9 +5703,9 @@
           <a:bodyPr/>
           <a:lstStyle/>
           <a:p>
-            <a:fld id="{FCF5AD5F-CE4F-4368-887F-AA4D61D10489}" type="datetimeFigureOut">
+            <a:fld id="{5B685777-5572-4A41-8CDA-FB55C38F62F3}" type="datetime1">
               <a:rPr lang="en-US" smtClean="0"/>
-              <a:t>5/2/2022</a:t>
+              <a:t>5/3/2022</a:t>
             </a:fld>
             <a:endParaRPr lang="en-US"/>
           </a:p>
@@ -5531,9 +5883,9 @@
           <a:bodyPr/>
           <a:lstStyle/>
           <a:p>
-            <a:fld id="{FCF5AD5F-CE4F-4368-887F-AA4D61D10489}" type="datetimeFigureOut">
+            <a:fld id="{DC50E5C1-0D7E-4126-9405-ADA8EDEF546E}" type="datetime1">
               <a:rPr lang="en-US" smtClean="0"/>
-              <a:t>5/2/2022</a:t>
+              <a:t>5/3/2022</a:t>
             </a:fld>
             <a:endParaRPr lang="en-US"/>
           </a:p>
@@ -5701,9 +6053,9 @@
           <a:bodyPr/>
           <a:lstStyle/>
           <a:p>
-            <a:fld id="{FCF5AD5F-CE4F-4368-887F-AA4D61D10489}" type="datetimeFigureOut">
+            <a:fld id="{7790BBD0-7FB3-480F-9830-499C853E0DAA}" type="datetime1">
               <a:rPr lang="en-US" smtClean="0"/>
-              <a:t>5/2/2022</a:t>
+              <a:t>5/3/2022</a:t>
             </a:fld>
             <a:endParaRPr lang="en-US"/>
           </a:p>
@@ -5948,9 +6300,9 @@
           <a:bodyPr/>
           <a:lstStyle/>
           <a:p>
-            <a:fld id="{FCF5AD5F-CE4F-4368-887F-AA4D61D10489}" type="datetimeFigureOut">
+            <a:fld id="{3F5F4879-7942-4397-A4AA-AC4D0177C9C9}" type="datetime1">
               <a:rPr lang="en-US" smtClean="0"/>
-              <a:t>5/2/2022</a:t>
+              <a:t>5/3/2022</a:t>
             </a:fld>
             <a:endParaRPr lang="en-US"/>
           </a:p>
@@ -6240,9 +6592,9 @@
           <a:bodyPr/>
           <a:lstStyle/>
           <a:p>
-            <a:fld id="{FCF5AD5F-CE4F-4368-887F-AA4D61D10489}" type="datetimeFigureOut">
+            <a:fld id="{520195FA-7F6E-45F5-949B-B61B0739F0A7}" type="datetime1">
               <a:rPr lang="en-US" smtClean="0"/>
-              <a:t>5/2/2022</a:t>
+              <a:t>5/3/2022</a:t>
             </a:fld>
             <a:endParaRPr lang="en-US"/>
           </a:p>
@@ -6684,9 +7036,9 @@
           <a:bodyPr/>
           <a:lstStyle/>
           <a:p>
-            <a:fld id="{FCF5AD5F-CE4F-4368-887F-AA4D61D10489}" type="datetimeFigureOut">
+            <a:fld id="{2D3B59EF-763F-471B-991B-4F4DE9A0F67B}" type="datetime1">
               <a:rPr lang="en-US" smtClean="0"/>
-              <a:t>5/2/2022</a:t>
+              <a:t>5/3/2022</a:t>
             </a:fld>
             <a:endParaRPr lang="en-US"/>
           </a:p>
@@ -6802,9 +7154,9 @@
           <a:bodyPr/>
           <a:lstStyle/>
           <a:p>
-            <a:fld id="{FCF5AD5F-CE4F-4368-887F-AA4D61D10489}" type="datetimeFigureOut">
+            <a:fld id="{622F9083-1525-4CBE-BB3B-4ACAE1A32380}" type="datetime1">
               <a:rPr lang="en-US" smtClean="0"/>
-              <a:t>5/2/2022</a:t>
+              <a:t>5/3/2022</a:t>
             </a:fld>
             <a:endParaRPr lang="en-US"/>
           </a:p>
@@ -6897,9 +7249,9 @@
           <a:bodyPr/>
           <a:lstStyle/>
           <a:p>
-            <a:fld id="{FCF5AD5F-CE4F-4368-887F-AA4D61D10489}" type="datetimeFigureOut">
+            <a:fld id="{D1A77D39-DA64-4629-9D42-94A8EF1E82FD}" type="datetime1">
               <a:rPr lang="en-US" smtClean="0"/>
-              <a:t>5/2/2022</a:t>
+              <a:t>5/3/2022</a:t>
             </a:fld>
             <a:endParaRPr lang="en-US"/>
           </a:p>
@@ -7176,9 +7528,9 @@
           <a:bodyPr/>
           <a:lstStyle/>
           <a:p>
-            <a:fld id="{FCF5AD5F-CE4F-4368-887F-AA4D61D10489}" type="datetimeFigureOut">
+            <a:fld id="{80AF78BF-AAC0-466D-A812-BC6944B98EF9}" type="datetime1">
               <a:rPr lang="en-US" smtClean="0"/>
-              <a:t>5/2/2022</a:t>
+              <a:t>5/3/2022</a:t>
             </a:fld>
             <a:endParaRPr lang="en-US"/>
           </a:p>
@@ -7451,9 +7803,9 @@
           <a:bodyPr/>
           <a:lstStyle/>
           <a:p>
-            <a:fld id="{FCF5AD5F-CE4F-4368-887F-AA4D61D10489}" type="datetimeFigureOut">
+            <a:fld id="{0E8A1224-4AAB-42DB-A7FD-E47246A38EDB}" type="datetime1">
               <a:rPr lang="en-US" smtClean="0"/>
-              <a:t>5/2/2022</a:t>
+              <a:t>5/3/2022</a:t>
             </a:fld>
             <a:endParaRPr lang="en-US"/>
           </a:p>
@@ -7880,9 +8232,9 @@
             </a:lvl1pPr>
           </a:lstStyle>
           <a:p>
-            <a:fld id="{FCF5AD5F-CE4F-4368-887F-AA4D61D10489}" type="datetimeFigureOut">
+            <a:fld id="{BEBE48F9-1B5B-4065-8CE6-F79CF72AF133}" type="datetime1">
               <a:rPr lang="en-US" smtClean="0"/>
-              <a:t>5/2/2022</a:t>
+              <a:t>5/3/2022</a:t>
             </a:fld>
             <a:endParaRPr lang="en-US"/>
           </a:p>
@@ -7994,6 +8346,7 @@
     <p:sldLayoutId id="2147483676" r:id="rId16"/>
     <p:sldLayoutId id="2147483677" r:id="rId17"/>
   </p:sldLayoutIdLst>
+  <p:hf hdr="0" ftr="0" dt="0"/>
   <p:txStyles>
     <p:titleStyle>
       <a:lvl1pPr algn="l" defTabSz="457200" rtl="0" eaLnBrk="1" latinLnBrk="0" hangingPunct="1">
@@ -8681,6 +9034,35 @@
           </a:p>
         </p:txBody>
       </p:sp>
+      <p:sp>
+        <p:nvSpPr>
+          <p:cNvPr id="6" name="Slide Number Placeholder 5">
+            <a:extLst>
+              <a:ext uri="{FF2B5EF4-FFF2-40B4-BE49-F238E27FC236}">
+                <a16:creationId xmlns:a16="http://schemas.microsoft.com/office/drawing/2014/main" id="{B60651FB-71F8-49DB-A852-A708F968CCF5}"/>
+              </a:ext>
+            </a:extLst>
+          </p:cNvPr>
+          <p:cNvSpPr>
+            <a:spLocks noGrp="1"/>
+          </p:cNvSpPr>
+          <p:nvPr>
+            <p:ph type="sldNum" sz="quarter" idx="12"/>
+          </p:nvPr>
+        </p:nvSpPr>
+        <p:spPr/>
+        <p:txBody>
+          <a:bodyPr/>
+          <a:lstStyle/>
+          <a:p>
+            <a:fld id="{55112967-C868-481D-9786-E26C03E813FF}" type="slidenum">
+              <a:rPr lang="en-US" smtClean="0"/>
+              <a:t>1</a:t>
+            </a:fld>
+            <a:endParaRPr lang="en-US"/>
+          </a:p>
+        </p:txBody>
+      </p:sp>
     </p:spTree>
     <p:extLst>
       <p:ext uri="{BB962C8B-B14F-4D97-AF65-F5344CB8AC3E}">
@@ -8851,6 +9233,35 @@
           </a:prstGeom>
         </p:spPr>
       </p:pic>
+      <p:sp>
+        <p:nvSpPr>
+          <p:cNvPr id="8" name="Slide Number Placeholder 7">
+            <a:extLst>
+              <a:ext uri="{FF2B5EF4-FFF2-40B4-BE49-F238E27FC236}">
+                <a16:creationId xmlns:a16="http://schemas.microsoft.com/office/drawing/2014/main" id="{BA1F33E8-ABA2-4C12-9B5C-6B1A49D8A2F0}"/>
+              </a:ext>
+            </a:extLst>
+          </p:cNvPr>
+          <p:cNvSpPr>
+            <a:spLocks noGrp="1"/>
+          </p:cNvSpPr>
+          <p:nvPr>
+            <p:ph type="sldNum" sz="quarter" idx="12"/>
+          </p:nvPr>
+        </p:nvSpPr>
+        <p:spPr/>
+        <p:txBody>
+          <a:bodyPr/>
+          <a:lstStyle/>
+          <a:p>
+            <a:fld id="{55112967-C868-481D-9786-E26C03E813FF}" type="slidenum">
+              <a:rPr lang="en-US" smtClean="0"/>
+              <a:t>10</a:t>
+            </a:fld>
+            <a:endParaRPr lang="en-US"/>
+          </a:p>
+        </p:txBody>
+      </p:sp>
     </p:spTree>
     <p:extLst>
       <p:ext uri="{BB962C8B-B14F-4D97-AF65-F5344CB8AC3E}">
@@ -10720,6 +11131,35 @@
           </a:graphicData>
         </a:graphic>
       </p:graphicFrame>
+      <p:sp>
+        <p:nvSpPr>
+          <p:cNvPr id="5" name="Slide Number Placeholder 4">
+            <a:extLst>
+              <a:ext uri="{FF2B5EF4-FFF2-40B4-BE49-F238E27FC236}">
+                <a16:creationId xmlns:a16="http://schemas.microsoft.com/office/drawing/2014/main" id="{098AA0C8-FC88-4E56-B4DD-74D50A39ADC9}"/>
+              </a:ext>
+            </a:extLst>
+          </p:cNvPr>
+          <p:cNvSpPr>
+            <a:spLocks noGrp="1"/>
+          </p:cNvSpPr>
+          <p:nvPr>
+            <p:ph type="sldNum" sz="quarter" idx="12"/>
+          </p:nvPr>
+        </p:nvSpPr>
+        <p:spPr/>
+        <p:txBody>
+          <a:bodyPr/>
+          <a:lstStyle/>
+          <a:p>
+            <a:fld id="{55112967-C868-481D-9786-E26C03E813FF}" type="slidenum">
+              <a:rPr lang="en-US" smtClean="0"/>
+              <a:t>11</a:t>
+            </a:fld>
+            <a:endParaRPr lang="en-US"/>
+          </a:p>
+        </p:txBody>
+      </p:sp>
     </p:spTree>
     <p:extLst>
       <p:ext uri="{BB962C8B-B14F-4D97-AF65-F5344CB8AC3E}">
@@ -10860,6 +11300,35 @@
           </a:prstGeom>
         </p:spPr>
       </p:pic>
+      <p:sp>
+        <p:nvSpPr>
+          <p:cNvPr id="7" name="Slide Number Placeholder 6">
+            <a:extLst>
+              <a:ext uri="{FF2B5EF4-FFF2-40B4-BE49-F238E27FC236}">
+                <a16:creationId xmlns:a16="http://schemas.microsoft.com/office/drawing/2014/main" id="{F30F093D-26E4-4BFF-A3FF-8C364252FA87}"/>
+              </a:ext>
+            </a:extLst>
+          </p:cNvPr>
+          <p:cNvSpPr>
+            <a:spLocks noGrp="1"/>
+          </p:cNvSpPr>
+          <p:nvPr>
+            <p:ph type="sldNum" sz="quarter" idx="12"/>
+          </p:nvPr>
+        </p:nvSpPr>
+        <p:spPr/>
+        <p:txBody>
+          <a:bodyPr/>
+          <a:lstStyle/>
+          <a:p>
+            <a:fld id="{55112967-C868-481D-9786-E26C03E813FF}" type="slidenum">
+              <a:rPr lang="en-US" smtClean="0"/>
+              <a:t>12</a:t>
+            </a:fld>
+            <a:endParaRPr lang="en-US"/>
+          </a:p>
+        </p:txBody>
+      </p:sp>
     </p:spTree>
     <p:extLst>
       <p:ext uri="{BB962C8B-B14F-4D97-AF65-F5344CB8AC3E}">
@@ -11005,6 +11474,35 @@
           </a:prstGeom>
         </p:spPr>
       </p:pic>
+      <p:sp>
+        <p:nvSpPr>
+          <p:cNvPr id="3" name="Slide Number Placeholder 2">
+            <a:extLst>
+              <a:ext uri="{FF2B5EF4-FFF2-40B4-BE49-F238E27FC236}">
+                <a16:creationId xmlns:a16="http://schemas.microsoft.com/office/drawing/2014/main" id="{A3CEF793-DD80-40B7-A0F6-1FF2DFC093C1}"/>
+              </a:ext>
+            </a:extLst>
+          </p:cNvPr>
+          <p:cNvSpPr>
+            <a:spLocks noGrp="1"/>
+          </p:cNvSpPr>
+          <p:nvPr>
+            <p:ph type="sldNum" sz="quarter" idx="12"/>
+          </p:nvPr>
+        </p:nvSpPr>
+        <p:spPr/>
+        <p:txBody>
+          <a:bodyPr/>
+          <a:lstStyle/>
+          <a:p>
+            <a:fld id="{55112967-C868-481D-9786-E26C03E813FF}" type="slidenum">
+              <a:rPr lang="en-US" smtClean="0"/>
+              <a:t>13</a:t>
+            </a:fld>
+            <a:endParaRPr lang="en-US"/>
+          </a:p>
+        </p:txBody>
+      </p:sp>
     </p:spTree>
     <p:extLst>
       <p:ext uri="{BB962C8B-B14F-4D97-AF65-F5344CB8AC3E}">
@@ -11154,6 +11652,35 @@
           </a:prstGeom>
         </p:spPr>
       </p:pic>
+      <p:sp>
+        <p:nvSpPr>
+          <p:cNvPr id="3" name="Slide Number Placeholder 2">
+            <a:extLst>
+              <a:ext uri="{FF2B5EF4-FFF2-40B4-BE49-F238E27FC236}">
+                <a16:creationId xmlns:a16="http://schemas.microsoft.com/office/drawing/2014/main" id="{27458947-05B4-4610-8A80-C3E03F3A0128}"/>
+              </a:ext>
+            </a:extLst>
+          </p:cNvPr>
+          <p:cNvSpPr>
+            <a:spLocks noGrp="1"/>
+          </p:cNvSpPr>
+          <p:nvPr>
+            <p:ph type="sldNum" sz="quarter" idx="12"/>
+          </p:nvPr>
+        </p:nvSpPr>
+        <p:spPr/>
+        <p:txBody>
+          <a:bodyPr/>
+          <a:lstStyle/>
+          <a:p>
+            <a:fld id="{55112967-C868-481D-9786-E26C03E813FF}" type="slidenum">
+              <a:rPr lang="en-US" smtClean="0"/>
+              <a:t>14</a:t>
+            </a:fld>
+            <a:endParaRPr lang="en-US"/>
+          </a:p>
+        </p:txBody>
+      </p:sp>
     </p:spTree>
     <p:extLst>
       <p:ext uri="{BB962C8B-B14F-4D97-AF65-F5344CB8AC3E}">
@@ -11298,6 +11825,35 @@
           </a:prstGeom>
         </p:spPr>
       </p:pic>
+      <p:sp>
+        <p:nvSpPr>
+          <p:cNvPr id="3" name="Slide Number Placeholder 2">
+            <a:extLst>
+              <a:ext uri="{FF2B5EF4-FFF2-40B4-BE49-F238E27FC236}">
+                <a16:creationId xmlns:a16="http://schemas.microsoft.com/office/drawing/2014/main" id="{12A79B30-6E1F-4A0B-8FCF-20F3991E60B2}"/>
+              </a:ext>
+            </a:extLst>
+          </p:cNvPr>
+          <p:cNvSpPr>
+            <a:spLocks noGrp="1"/>
+          </p:cNvSpPr>
+          <p:nvPr>
+            <p:ph type="sldNum" sz="quarter" idx="12"/>
+          </p:nvPr>
+        </p:nvSpPr>
+        <p:spPr/>
+        <p:txBody>
+          <a:bodyPr/>
+          <a:lstStyle/>
+          <a:p>
+            <a:fld id="{55112967-C868-481D-9786-E26C03E813FF}" type="slidenum">
+              <a:rPr lang="en-US" smtClean="0"/>
+              <a:t>15</a:t>
+            </a:fld>
+            <a:endParaRPr lang="en-US"/>
+          </a:p>
+        </p:txBody>
+      </p:sp>
     </p:spTree>
     <p:extLst>
       <p:ext uri="{BB962C8B-B14F-4D97-AF65-F5344CB8AC3E}">
@@ -11550,6 +12106,35 @@
           </a:p>
         </p:txBody>
       </p:sp>
+      <p:sp>
+        <p:nvSpPr>
+          <p:cNvPr id="9" name="Slide Number Placeholder 8">
+            <a:extLst>
+              <a:ext uri="{FF2B5EF4-FFF2-40B4-BE49-F238E27FC236}">
+                <a16:creationId xmlns:a16="http://schemas.microsoft.com/office/drawing/2014/main" id="{BAEA12E5-79EE-491D-92B4-2668C0C5207B}"/>
+              </a:ext>
+            </a:extLst>
+          </p:cNvPr>
+          <p:cNvSpPr>
+            <a:spLocks noGrp="1"/>
+          </p:cNvSpPr>
+          <p:nvPr>
+            <p:ph type="sldNum" sz="quarter" idx="12"/>
+          </p:nvPr>
+        </p:nvSpPr>
+        <p:spPr/>
+        <p:txBody>
+          <a:bodyPr/>
+          <a:lstStyle/>
+          <a:p>
+            <a:fld id="{55112967-C868-481D-9786-E26C03E813FF}" type="slidenum">
+              <a:rPr lang="en-US" smtClean="0"/>
+              <a:t>16</a:t>
+            </a:fld>
+            <a:endParaRPr lang="en-US"/>
+          </a:p>
+        </p:txBody>
+      </p:sp>
     </p:spTree>
     <p:extLst>
       <p:ext uri="{BB962C8B-B14F-4D97-AF65-F5344CB8AC3E}">
@@ -11646,6 +12231,35 @@
           </a:graphicData>
         </a:graphic>
       </p:graphicFrame>
+      <p:sp>
+        <p:nvSpPr>
+          <p:cNvPr id="5" name="Slide Number Placeholder 4">
+            <a:extLst>
+              <a:ext uri="{FF2B5EF4-FFF2-40B4-BE49-F238E27FC236}">
+                <a16:creationId xmlns:a16="http://schemas.microsoft.com/office/drawing/2014/main" id="{69725B88-952E-451F-810F-9BFF4F750DD5}"/>
+              </a:ext>
+            </a:extLst>
+          </p:cNvPr>
+          <p:cNvSpPr>
+            <a:spLocks noGrp="1"/>
+          </p:cNvSpPr>
+          <p:nvPr>
+            <p:ph type="sldNum" sz="quarter" idx="12"/>
+          </p:nvPr>
+        </p:nvSpPr>
+        <p:spPr/>
+        <p:txBody>
+          <a:bodyPr/>
+          <a:lstStyle/>
+          <a:p>
+            <a:fld id="{55112967-C868-481D-9786-E26C03E813FF}" type="slidenum">
+              <a:rPr lang="en-US" smtClean="0"/>
+              <a:t>17</a:t>
+            </a:fld>
+            <a:endParaRPr lang="en-US"/>
+          </a:p>
+        </p:txBody>
+      </p:sp>
     </p:spTree>
     <p:extLst>
       <p:ext uri="{BB962C8B-B14F-4D97-AF65-F5344CB8AC3E}">
@@ -11731,6 +12345,35 @@
               <a:rPr lang="en-US" sz="4800" dirty="0"/>
               <a:t>For your Attention</a:t>
             </a:r>
+          </a:p>
+        </p:txBody>
+      </p:sp>
+      <p:sp>
+        <p:nvSpPr>
+          <p:cNvPr id="6" name="Slide Number Placeholder 5">
+            <a:extLst>
+              <a:ext uri="{FF2B5EF4-FFF2-40B4-BE49-F238E27FC236}">
+                <a16:creationId xmlns:a16="http://schemas.microsoft.com/office/drawing/2014/main" id="{61C909F9-F4D0-4CAF-9DAC-E5D7DA7A27A9}"/>
+              </a:ext>
+            </a:extLst>
+          </p:cNvPr>
+          <p:cNvSpPr>
+            <a:spLocks noGrp="1"/>
+          </p:cNvSpPr>
+          <p:nvPr>
+            <p:ph type="sldNum" sz="quarter" idx="12"/>
+          </p:nvPr>
+        </p:nvSpPr>
+        <p:spPr/>
+        <p:txBody>
+          <a:bodyPr/>
+          <a:lstStyle/>
+          <a:p>
+            <a:fld id="{55112967-C868-481D-9786-E26C03E813FF}" type="slidenum">
+              <a:rPr lang="en-US" smtClean="0"/>
+              <a:t>18</a:t>
+            </a:fld>
+            <a:endParaRPr lang="en-US"/>
           </a:p>
         </p:txBody>
       </p:sp>
@@ -11909,6 +12552,35 @@
           </a:ln>
         </p:spPr>
       </p:pic>
+      <p:sp>
+        <p:nvSpPr>
+          <p:cNvPr id="5" name="Slide Number Placeholder 4">
+            <a:extLst>
+              <a:ext uri="{FF2B5EF4-FFF2-40B4-BE49-F238E27FC236}">
+                <a16:creationId xmlns:a16="http://schemas.microsoft.com/office/drawing/2014/main" id="{9D7C9BB0-E24E-4F2F-8BE0-D276FF5714FA}"/>
+              </a:ext>
+            </a:extLst>
+          </p:cNvPr>
+          <p:cNvSpPr>
+            <a:spLocks noGrp="1"/>
+          </p:cNvSpPr>
+          <p:nvPr>
+            <p:ph type="sldNum" sz="quarter" idx="12"/>
+          </p:nvPr>
+        </p:nvSpPr>
+        <p:spPr/>
+        <p:txBody>
+          <a:bodyPr/>
+          <a:lstStyle/>
+          <a:p>
+            <a:fld id="{55112967-C868-481D-9786-E26C03E813FF}" type="slidenum">
+              <a:rPr lang="en-US" smtClean="0"/>
+              <a:t>2</a:t>
+            </a:fld>
+            <a:endParaRPr lang="en-US"/>
+          </a:p>
+        </p:txBody>
+      </p:sp>
     </p:spTree>
     <p:extLst>
       <p:ext uri="{BB962C8B-B14F-4D97-AF65-F5344CB8AC3E}">
@@ -12367,6 +13039,35 @@
           </a:p>
         </p:txBody>
       </p:sp>
+      <p:sp>
+        <p:nvSpPr>
+          <p:cNvPr id="5" name="Slide Number Placeholder 4">
+            <a:extLst>
+              <a:ext uri="{FF2B5EF4-FFF2-40B4-BE49-F238E27FC236}">
+                <a16:creationId xmlns:a16="http://schemas.microsoft.com/office/drawing/2014/main" id="{B4ACC5C7-30D7-4F48-9AE3-E645D600F455}"/>
+              </a:ext>
+            </a:extLst>
+          </p:cNvPr>
+          <p:cNvSpPr>
+            <a:spLocks noGrp="1"/>
+          </p:cNvSpPr>
+          <p:nvPr>
+            <p:ph type="sldNum" sz="quarter" idx="12"/>
+          </p:nvPr>
+        </p:nvSpPr>
+        <p:spPr/>
+        <p:txBody>
+          <a:bodyPr/>
+          <a:lstStyle/>
+          <a:p>
+            <a:fld id="{55112967-C868-481D-9786-E26C03E813FF}" type="slidenum">
+              <a:rPr lang="en-US" smtClean="0"/>
+              <a:t>3</a:t>
+            </a:fld>
+            <a:endParaRPr lang="en-US"/>
+          </a:p>
+        </p:txBody>
+      </p:sp>
     </p:spTree>
     <p:extLst>
       <p:ext uri="{BB962C8B-B14F-4D97-AF65-F5344CB8AC3E}">
@@ -12571,6 +13272,35 @@
           </a:ln>
         </p:spPr>
       </p:pic>
+      <p:sp>
+        <p:nvSpPr>
+          <p:cNvPr id="5" name="Slide Number Placeholder 4">
+            <a:extLst>
+              <a:ext uri="{FF2B5EF4-FFF2-40B4-BE49-F238E27FC236}">
+                <a16:creationId xmlns:a16="http://schemas.microsoft.com/office/drawing/2014/main" id="{4AD05262-609B-437D-BC58-3FDFD0C7AD14}"/>
+              </a:ext>
+            </a:extLst>
+          </p:cNvPr>
+          <p:cNvSpPr>
+            <a:spLocks noGrp="1"/>
+          </p:cNvSpPr>
+          <p:nvPr>
+            <p:ph type="sldNum" sz="quarter" idx="12"/>
+          </p:nvPr>
+        </p:nvSpPr>
+        <p:spPr/>
+        <p:txBody>
+          <a:bodyPr/>
+          <a:lstStyle/>
+          <a:p>
+            <a:fld id="{55112967-C868-481D-9786-E26C03E813FF}" type="slidenum">
+              <a:rPr lang="en-US" smtClean="0"/>
+              <a:t>4</a:t>
+            </a:fld>
+            <a:endParaRPr lang="en-US"/>
+          </a:p>
+        </p:txBody>
+      </p:sp>
     </p:spTree>
     <p:extLst>
       <p:ext uri="{BB962C8B-B14F-4D97-AF65-F5344CB8AC3E}">
@@ -12742,6 +13472,35 @@
               <a:rPr lang="en-US" sz="1600" dirty="0"/>
               <a:t>The larger such ratio, the more probable the point is a potential outlier</a:t>
             </a:r>
+          </a:p>
+        </p:txBody>
+      </p:sp>
+      <p:sp>
+        <p:nvSpPr>
+          <p:cNvPr id="3" name="Slide Number Placeholder 2">
+            <a:extLst>
+              <a:ext uri="{FF2B5EF4-FFF2-40B4-BE49-F238E27FC236}">
+                <a16:creationId xmlns:a16="http://schemas.microsoft.com/office/drawing/2014/main" id="{937906BC-373D-4D5E-809E-7E3C5B28F858}"/>
+              </a:ext>
+            </a:extLst>
+          </p:cNvPr>
+          <p:cNvSpPr>
+            <a:spLocks noGrp="1"/>
+          </p:cNvSpPr>
+          <p:nvPr>
+            <p:ph type="sldNum" sz="quarter" idx="12"/>
+          </p:nvPr>
+        </p:nvSpPr>
+        <p:spPr/>
+        <p:txBody>
+          <a:bodyPr/>
+          <a:lstStyle/>
+          <a:p>
+            <a:fld id="{55112967-C868-481D-9786-E26C03E813FF}" type="slidenum">
+              <a:rPr lang="en-US" smtClean="0"/>
+              <a:t>5</a:t>
+            </a:fld>
+            <a:endParaRPr lang="en-US"/>
           </a:p>
         </p:txBody>
       </p:sp>
@@ -12951,6 +13710,35 @@
           </a:prstGeom>
         </p:spPr>
       </p:pic>
+      <p:sp>
+        <p:nvSpPr>
+          <p:cNvPr id="6" name="Slide Number Placeholder 5">
+            <a:extLst>
+              <a:ext uri="{FF2B5EF4-FFF2-40B4-BE49-F238E27FC236}">
+                <a16:creationId xmlns:a16="http://schemas.microsoft.com/office/drawing/2014/main" id="{BD123946-24A4-4BE5-9450-42E306423DE2}"/>
+              </a:ext>
+            </a:extLst>
+          </p:cNvPr>
+          <p:cNvSpPr>
+            <a:spLocks noGrp="1"/>
+          </p:cNvSpPr>
+          <p:nvPr>
+            <p:ph type="sldNum" sz="quarter" idx="12"/>
+          </p:nvPr>
+        </p:nvSpPr>
+        <p:spPr/>
+        <p:txBody>
+          <a:bodyPr/>
+          <a:lstStyle/>
+          <a:p>
+            <a:fld id="{55112967-C868-481D-9786-E26C03E813FF}" type="slidenum">
+              <a:rPr lang="en-US" smtClean="0"/>
+              <a:t>6</a:t>
+            </a:fld>
+            <a:endParaRPr lang="en-US"/>
+          </a:p>
+        </p:txBody>
+      </p:sp>
     </p:spTree>
     <p:extLst>
       <p:ext uri="{BB962C8B-B14F-4D97-AF65-F5344CB8AC3E}">
@@ -13162,6 +13950,35 @@
           </a:prstGeom>
         </p:spPr>
       </p:pic>
+      <p:sp>
+        <p:nvSpPr>
+          <p:cNvPr id="5" name="Slide Number Placeholder 4">
+            <a:extLst>
+              <a:ext uri="{FF2B5EF4-FFF2-40B4-BE49-F238E27FC236}">
+                <a16:creationId xmlns:a16="http://schemas.microsoft.com/office/drawing/2014/main" id="{7E9FF96C-2449-4AB0-83B7-2F66D217E345}"/>
+              </a:ext>
+            </a:extLst>
+          </p:cNvPr>
+          <p:cNvSpPr>
+            <a:spLocks noGrp="1"/>
+          </p:cNvSpPr>
+          <p:nvPr>
+            <p:ph type="sldNum" sz="quarter" idx="12"/>
+          </p:nvPr>
+        </p:nvSpPr>
+        <p:spPr/>
+        <p:txBody>
+          <a:bodyPr/>
+          <a:lstStyle/>
+          <a:p>
+            <a:fld id="{55112967-C868-481D-9786-E26C03E813FF}" type="slidenum">
+              <a:rPr lang="en-US" smtClean="0"/>
+              <a:t>7</a:t>
+            </a:fld>
+            <a:endParaRPr lang="en-US"/>
+          </a:p>
+        </p:txBody>
+      </p:sp>
     </p:spTree>
     <p:extLst>
       <p:ext uri="{BB962C8B-B14F-4D97-AF65-F5344CB8AC3E}">
@@ -13532,6 +14349,35 @@
           </a:p>
         </p:txBody>
       </p:sp>
+      <p:sp>
+        <p:nvSpPr>
+          <p:cNvPr id="13" name="Slide Number Placeholder 12">
+            <a:extLst>
+              <a:ext uri="{FF2B5EF4-FFF2-40B4-BE49-F238E27FC236}">
+                <a16:creationId xmlns:a16="http://schemas.microsoft.com/office/drawing/2014/main" id="{E827226E-B75E-4AD6-BFF9-C26B118641A7}"/>
+              </a:ext>
+            </a:extLst>
+          </p:cNvPr>
+          <p:cNvSpPr>
+            <a:spLocks noGrp="1"/>
+          </p:cNvSpPr>
+          <p:nvPr>
+            <p:ph type="sldNum" sz="quarter" idx="12"/>
+          </p:nvPr>
+        </p:nvSpPr>
+        <p:spPr/>
+        <p:txBody>
+          <a:bodyPr/>
+          <a:lstStyle/>
+          <a:p>
+            <a:fld id="{55112967-C868-481D-9786-E26C03E813FF}" type="slidenum">
+              <a:rPr lang="en-US" smtClean="0"/>
+              <a:t>8</a:t>
+            </a:fld>
+            <a:endParaRPr lang="en-US"/>
+          </a:p>
+        </p:txBody>
+      </p:sp>
     </p:spTree>
     <p:extLst>
       <p:ext uri="{BB962C8B-B14F-4D97-AF65-F5344CB8AC3E}">
@@ -13654,6 +14500,35 @@
               <a:rPr lang="en-US" dirty="0"/>
               <a:t>Talking about histograms over the data variables, it incurs lower performance on detecting local outliers</a:t>
             </a:r>
+          </a:p>
+        </p:txBody>
+      </p:sp>
+      <p:sp>
+        <p:nvSpPr>
+          <p:cNvPr id="4" name="Slide Number Placeholder 3">
+            <a:extLst>
+              <a:ext uri="{FF2B5EF4-FFF2-40B4-BE49-F238E27FC236}">
+                <a16:creationId xmlns:a16="http://schemas.microsoft.com/office/drawing/2014/main" id="{D852F8E1-941E-404F-BF57-0FE2954406EC}"/>
+              </a:ext>
+            </a:extLst>
+          </p:cNvPr>
+          <p:cNvSpPr>
+            <a:spLocks noGrp="1"/>
+          </p:cNvSpPr>
+          <p:nvPr>
+            <p:ph type="sldNum" sz="quarter" idx="12"/>
+          </p:nvPr>
+        </p:nvSpPr>
+        <p:spPr/>
+        <p:txBody>
+          <a:bodyPr/>
+          <a:lstStyle/>
+          <a:p>
+            <a:fld id="{55112967-C868-481D-9786-E26C03E813FF}" type="slidenum">
+              <a:rPr lang="en-US" smtClean="0"/>
+              <a:t>9</a:t>
+            </a:fld>
+            <a:endParaRPr lang="en-US"/>
           </a:p>
         </p:txBody>
       </p:sp>
@@ -13934,4 +14809,299 @@
     </a:ext>
   </a:extLst>
 </a:theme>
+</file>
+
+<file path=ppt/theme/theme2.xml><?xml version="1.0" encoding="utf-8"?>
+<a:theme xmlns:a="http://schemas.openxmlformats.org/drawingml/2006/main" name="Office Theme">
+  <a:themeElements>
+    <a:clrScheme name="Office">
+      <a:dk1>
+        <a:sysClr val="windowText" lastClr="000000"/>
+      </a:dk1>
+      <a:lt1>
+        <a:sysClr val="window" lastClr="FFFFFF"/>
+      </a:lt1>
+      <a:dk2>
+        <a:srgbClr val="44546A"/>
+      </a:dk2>
+      <a:lt2>
+        <a:srgbClr val="E7E6E6"/>
+      </a:lt2>
+      <a:accent1>
+        <a:srgbClr val="4472C4"/>
+      </a:accent1>
+      <a:accent2>
+        <a:srgbClr val="ED7D31"/>
+      </a:accent2>
+      <a:accent3>
+        <a:srgbClr val="A5A5A5"/>
+      </a:accent3>
+      <a:accent4>
+        <a:srgbClr val="FFC000"/>
+      </a:accent4>
+      <a:accent5>
+        <a:srgbClr val="5B9BD5"/>
+      </a:accent5>
+      <a:accent6>
+        <a:srgbClr val="70AD47"/>
+      </a:accent6>
+      <a:hlink>
+        <a:srgbClr val="0563C1"/>
+      </a:hlink>
+      <a:folHlink>
+        <a:srgbClr val="954F72"/>
+      </a:folHlink>
+    </a:clrScheme>
+    <a:fontScheme name="Office">
+      <a:majorFont>
+        <a:latin typeface="Calibri Light" panose="020F0302020204030204"/>
+        <a:ea typeface=""/>
+        <a:cs typeface=""/>
+        <a:font script="Jpan" typeface="游ゴシック Light"/>
+        <a:font script="Hang" typeface="맑은 고딕"/>
+        <a:font script="Hans" typeface="等线 Light"/>
+        <a:font script="Hant" typeface="新細明體"/>
+        <a:font script="Arab" typeface="Times New Roman"/>
+        <a:font script="Hebr" typeface="Times New Roman"/>
+        <a:font script="Thai" typeface="Angsana New"/>
+        <a:font script="Ethi" typeface="Nyala"/>
+        <a:font script="Beng" typeface="Vrinda"/>
+        <a:font script="Gujr" typeface="Shruti"/>
+        <a:font script="Khmr" typeface="MoolBoran"/>
+        <a:font script="Knda" typeface="Tunga"/>
+        <a:font script="Guru" typeface="Raavi"/>
+        <a:font script="Cans" typeface="Euphemia"/>
+        <a:font script="Cher" typeface="Plantagenet Cherokee"/>
+        <a:font script="Yiii" typeface="Microsoft Yi Baiti"/>
+        <a:font script="Tibt" typeface="Microsoft Himalaya"/>
+        <a:font script="Thaa" typeface="MV Boli"/>
+        <a:font script="Deva" typeface="Mangal"/>
+        <a:font script="Telu" typeface="Gautami"/>
+        <a:font script="Taml" typeface="Latha"/>
+        <a:font script="Syrc" typeface="Estrangelo Edessa"/>
+        <a:font script="Orya" typeface="Kalinga"/>
+        <a:font script="Mlym" typeface="Kartika"/>
+        <a:font script="Laoo" typeface="DokChampa"/>
+        <a:font script="Sinh" typeface="Iskoola Pota"/>
+        <a:font script="Mong" typeface="Mongolian Baiti"/>
+        <a:font script="Viet" typeface="Times New Roman"/>
+        <a:font script="Uigh" typeface="Microsoft Uighur"/>
+        <a:font script="Geor" typeface="Sylfaen"/>
+        <a:font script="Armn" typeface="Arial"/>
+        <a:font script="Bugi" typeface="Leelawadee UI"/>
+        <a:font script="Bopo" typeface="Microsoft JhengHei"/>
+        <a:font script="Java" typeface="Javanese Text"/>
+        <a:font script="Lisu" typeface="Segoe UI"/>
+        <a:font script="Mymr" typeface="Myanmar Text"/>
+        <a:font script="Nkoo" typeface="Ebrima"/>
+        <a:font script="Olck" typeface="Nirmala UI"/>
+        <a:font script="Osma" typeface="Ebrima"/>
+        <a:font script="Phag" typeface="Phagspa"/>
+        <a:font script="Syrn" typeface="Estrangelo Edessa"/>
+        <a:font script="Syrj" typeface="Estrangelo Edessa"/>
+        <a:font script="Syre" typeface="Estrangelo Edessa"/>
+        <a:font script="Sora" typeface="Nirmala UI"/>
+        <a:font script="Tale" typeface="Microsoft Tai Le"/>
+        <a:font script="Talu" typeface="Microsoft New Tai Lue"/>
+        <a:font script="Tfng" typeface="Ebrima"/>
+      </a:majorFont>
+      <a:minorFont>
+        <a:latin typeface="Calibri" panose="020F0502020204030204"/>
+        <a:ea typeface=""/>
+        <a:cs typeface=""/>
+        <a:font script="Jpan" typeface="游ゴシック"/>
+        <a:font script="Hang" typeface="맑은 고딕"/>
+        <a:font script="Hans" typeface="等线"/>
+        <a:font script="Hant" typeface="新細明體"/>
+        <a:font script="Arab" typeface="Arial"/>
+        <a:font script="Hebr" typeface="Arial"/>
+        <a:font script="Thai" typeface="Cordia New"/>
+        <a:font script="Ethi" typeface="Nyala"/>
+        <a:font script="Beng" typeface="Vrinda"/>
+        <a:font script="Gujr" typeface="Shruti"/>
+        <a:font script="Khmr" typeface="DaunPenh"/>
+        <a:font script="Knda" typeface="Tunga"/>
+        <a:font script="Guru" typeface="Raavi"/>
+        <a:font script="Cans" typeface="Euphemia"/>
+        <a:font script="Cher" typeface="Plantagenet Cherokee"/>
+        <a:font script="Yiii" typeface="Microsoft Yi Baiti"/>
+        <a:font script="Tibt" typeface="Microsoft Himalaya"/>
+        <a:font script="Thaa" typeface="MV Boli"/>
+        <a:font script="Deva" typeface="Mangal"/>
+        <a:font script="Telu" typeface="Gautami"/>
+        <a:font script="Taml" typeface="Latha"/>
+        <a:font script="Syrc" typeface="Estrangelo Edessa"/>
+        <a:font script="Orya" typeface="Kalinga"/>
+        <a:font script="Mlym" typeface="Kartika"/>
+        <a:font script="Laoo" typeface="DokChampa"/>
+        <a:font script="Sinh" typeface="Iskoola Pota"/>
+        <a:font script="Mong" typeface="Mongolian Baiti"/>
+        <a:font script="Viet" typeface="Arial"/>
+        <a:font script="Uigh" typeface="Microsoft Uighur"/>
+        <a:font script="Geor" typeface="Sylfaen"/>
+        <a:font script="Armn" typeface="Arial"/>
+        <a:font script="Bugi" typeface="Leelawadee UI"/>
+        <a:font script="Bopo" typeface="Microsoft JhengHei"/>
+        <a:font script="Java" typeface="Javanese Text"/>
+        <a:font script="Lisu" typeface="Segoe UI"/>
+        <a:font script="Mymr" typeface="Myanmar Text"/>
+        <a:font script="Nkoo" typeface="Ebrima"/>
+        <a:font script="Olck" typeface="Nirmala UI"/>
+        <a:font script="Osma" typeface="Ebrima"/>
+        <a:font script="Phag" typeface="Phagspa"/>
+        <a:font script="Syrn" typeface="Estrangelo Edessa"/>
+        <a:font script="Syrj" typeface="Estrangelo Edessa"/>
+        <a:font script="Syre" typeface="Estrangelo Edessa"/>
+        <a:font script="Sora" typeface="Nirmala UI"/>
+        <a:font script="Tale" typeface="Microsoft Tai Le"/>
+        <a:font script="Talu" typeface="Microsoft New Tai Lue"/>
+        <a:font script="Tfng" typeface="Ebrima"/>
+      </a:minorFont>
+    </a:fontScheme>
+    <a:fmtScheme name="Office">
+      <a:fillStyleLst>
+        <a:solidFill>
+          <a:schemeClr val="phClr"/>
+        </a:solidFill>
+        <a:gradFill rotWithShape="1">
+          <a:gsLst>
+            <a:gs pos="0">
+              <a:schemeClr val="phClr">
+                <a:lumMod val="110000"/>
+                <a:satMod val="105000"/>
+                <a:tint val="67000"/>
+              </a:schemeClr>
+            </a:gs>
+            <a:gs pos="50000">
+              <a:schemeClr val="phClr">
+                <a:lumMod val="105000"/>
+                <a:satMod val="103000"/>
+                <a:tint val="73000"/>
+              </a:schemeClr>
+            </a:gs>
+            <a:gs pos="100000">
+              <a:schemeClr val="phClr">
+                <a:lumMod val="105000"/>
+                <a:satMod val="109000"/>
+                <a:tint val="81000"/>
+              </a:schemeClr>
+            </a:gs>
+          </a:gsLst>
+          <a:lin ang="5400000" scaled="0"/>
+        </a:gradFill>
+        <a:gradFill rotWithShape="1">
+          <a:gsLst>
+            <a:gs pos="0">
+              <a:schemeClr val="phClr">
+                <a:satMod val="103000"/>
+                <a:lumMod val="102000"/>
+                <a:tint val="94000"/>
+              </a:schemeClr>
+            </a:gs>
+            <a:gs pos="50000">
+              <a:schemeClr val="phClr">
+                <a:satMod val="110000"/>
+                <a:lumMod val="100000"/>
+                <a:shade val="100000"/>
+              </a:schemeClr>
+            </a:gs>
+            <a:gs pos="100000">
+              <a:schemeClr val="phClr">
+                <a:lumMod val="99000"/>
+                <a:satMod val="120000"/>
+                <a:shade val="78000"/>
+              </a:schemeClr>
+            </a:gs>
+          </a:gsLst>
+          <a:lin ang="5400000" scaled="0"/>
+        </a:gradFill>
+      </a:fillStyleLst>
+      <a:lnStyleLst>
+        <a:ln w="6350" cap="flat" cmpd="sng" algn="ctr">
+          <a:solidFill>
+            <a:schemeClr val="phClr"/>
+          </a:solidFill>
+          <a:prstDash val="solid"/>
+          <a:miter lim="800000"/>
+        </a:ln>
+        <a:ln w="12700" cap="flat" cmpd="sng" algn="ctr">
+          <a:solidFill>
+            <a:schemeClr val="phClr"/>
+          </a:solidFill>
+          <a:prstDash val="solid"/>
+          <a:miter lim="800000"/>
+        </a:ln>
+        <a:ln w="19050" cap="flat" cmpd="sng" algn="ctr">
+          <a:solidFill>
+            <a:schemeClr val="phClr"/>
+          </a:solidFill>
+          <a:prstDash val="solid"/>
+          <a:miter lim="800000"/>
+        </a:ln>
+      </a:lnStyleLst>
+      <a:effectStyleLst>
+        <a:effectStyle>
+          <a:effectLst/>
+        </a:effectStyle>
+        <a:effectStyle>
+          <a:effectLst/>
+        </a:effectStyle>
+        <a:effectStyle>
+          <a:effectLst>
+            <a:outerShdw blurRad="57150" dist="19050" dir="5400000" algn="ctr" rotWithShape="0">
+              <a:srgbClr val="000000">
+                <a:alpha val="63000"/>
+              </a:srgbClr>
+            </a:outerShdw>
+          </a:effectLst>
+        </a:effectStyle>
+      </a:effectStyleLst>
+      <a:bgFillStyleLst>
+        <a:solidFill>
+          <a:schemeClr val="phClr"/>
+        </a:solidFill>
+        <a:solidFill>
+          <a:schemeClr val="phClr">
+            <a:tint val="95000"/>
+            <a:satMod val="170000"/>
+          </a:schemeClr>
+        </a:solidFill>
+        <a:gradFill rotWithShape="1">
+          <a:gsLst>
+            <a:gs pos="0">
+              <a:schemeClr val="phClr">
+                <a:tint val="93000"/>
+                <a:satMod val="150000"/>
+                <a:shade val="98000"/>
+                <a:lumMod val="102000"/>
+              </a:schemeClr>
+            </a:gs>
+            <a:gs pos="50000">
+              <a:schemeClr val="phClr">
+                <a:tint val="98000"/>
+                <a:satMod val="130000"/>
+                <a:shade val="90000"/>
+                <a:lumMod val="103000"/>
+              </a:schemeClr>
+            </a:gs>
+            <a:gs pos="100000">
+              <a:schemeClr val="phClr">
+                <a:shade val="63000"/>
+                <a:satMod val="120000"/>
+              </a:schemeClr>
+            </a:gs>
+          </a:gsLst>
+          <a:lin ang="5400000" scaled="0"/>
+        </a:gradFill>
+      </a:bgFillStyleLst>
+    </a:fmtScheme>
+  </a:themeElements>
+  <a:objectDefaults/>
+  <a:extraClrSchemeLst/>
+  <a:extLst>
+    <a:ext uri="{05A4C25C-085E-4340-85A3-A5531E510DB2}">
+      <thm15:themeFamily xmlns:thm15="http://schemas.microsoft.com/office/thememl/2012/main" name="Office Theme" id="{62F939B6-93AF-4DB8-9C6B-D6C7DFDC589F}" vid="{4A3C46E8-61CC-4603-A589-7422A47A8E4A}"/>
+    </a:ext>
+  </a:extLst>
+</a:theme>
 </file>